--- a/docs/songs/all hail king jesus.pptx
+++ b/docs/songs/all hail king jesus.pptx
@@ -216,7 +216,7 @@
           <a:p>
             <a:fld id="{C57EAEFC-A9C7-464E-BE3F-33D4DD72E122}" type="datetimeFigureOut">
               <a:rPr lang="en-GB" smtClean="0"/>
-              <a:t>26/04/2024</a:t>
+              <a:t>10/11/2025</a:t>
             </a:fld>
             <a:endParaRPr lang="en-GB"/>
           </a:p>
@@ -1338,7 +1338,7 @@
             <a:fld id="{26EA1CF3-4A15-4CBF-9A5A-6A56C368BE71}" type="datetimeFigureOut">
               <a:rPr lang="en-GB" smtClean="0"/>
               <a:pPr/>
-              <a:t>26/04/2024</a:t>
+              <a:t>10/11/2025</a:t>
             </a:fld>
             <a:endParaRPr lang="en-GB"/>
           </a:p>
@@ -1505,7 +1505,7 @@
             <a:fld id="{26EA1CF3-4A15-4CBF-9A5A-6A56C368BE71}" type="datetimeFigureOut">
               <a:rPr lang="en-GB" smtClean="0"/>
               <a:pPr/>
-              <a:t>26/04/2024</a:t>
+              <a:t>10/11/2025</a:t>
             </a:fld>
             <a:endParaRPr lang="en-GB"/>
           </a:p>
@@ -1682,7 +1682,7 @@
             <a:fld id="{26EA1CF3-4A15-4CBF-9A5A-6A56C368BE71}" type="datetimeFigureOut">
               <a:rPr lang="en-GB" smtClean="0"/>
               <a:pPr/>
-              <a:t>26/04/2024</a:t>
+              <a:t>10/11/2025</a:t>
             </a:fld>
             <a:endParaRPr lang="en-GB"/>
           </a:p>
@@ -1849,7 +1849,7 @@
             <a:fld id="{26EA1CF3-4A15-4CBF-9A5A-6A56C368BE71}" type="datetimeFigureOut">
               <a:rPr lang="en-GB" smtClean="0"/>
               <a:pPr/>
-              <a:t>26/04/2024</a:t>
+              <a:t>10/11/2025</a:t>
             </a:fld>
             <a:endParaRPr lang="en-GB"/>
           </a:p>
@@ -2092,7 +2092,7 @@
             <a:fld id="{26EA1CF3-4A15-4CBF-9A5A-6A56C368BE71}" type="datetimeFigureOut">
               <a:rPr lang="en-GB" smtClean="0"/>
               <a:pPr/>
-              <a:t>26/04/2024</a:t>
+              <a:t>10/11/2025</a:t>
             </a:fld>
             <a:endParaRPr lang="en-GB"/>
           </a:p>
@@ -2377,7 +2377,7 @@
             <a:fld id="{26EA1CF3-4A15-4CBF-9A5A-6A56C368BE71}" type="datetimeFigureOut">
               <a:rPr lang="en-GB" smtClean="0"/>
               <a:pPr/>
-              <a:t>26/04/2024</a:t>
+              <a:t>10/11/2025</a:t>
             </a:fld>
             <a:endParaRPr lang="en-GB"/>
           </a:p>
@@ -2796,7 +2796,7 @@
             <a:fld id="{26EA1CF3-4A15-4CBF-9A5A-6A56C368BE71}" type="datetimeFigureOut">
               <a:rPr lang="en-GB" smtClean="0"/>
               <a:pPr/>
-              <a:t>26/04/2024</a:t>
+              <a:t>10/11/2025</a:t>
             </a:fld>
             <a:endParaRPr lang="en-GB"/>
           </a:p>
@@ -2911,7 +2911,7 @@
             <a:fld id="{26EA1CF3-4A15-4CBF-9A5A-6A56C368BE71}" type="datetimeFigureOut">
               <a:rPr lang="en-GB" smtClean="0"/>
               <a:pPr/>
-              <a:t>26/04/2024</a:t>
+              <a:t>10/11/2025</a:t>
             </a:fld>
             <a:endParaRPr lang="en-GB"/>
           </a:p>
@@ -3003,7 +3003,7 @@
             <a:fld id="{26EA1CF3-4A15-4CBF-9A5A-6A56C368BE71}" type="datetimeFigureOut">
               <a:rPr lang="en-GB" smtClean="0"/>
               <a:pPr/>
-              <a:t>26/04/2024</a:t>
+              <a:t>10/11/2025</a:t>
             </a:fld>
             <a:endParaRPr lang="en-GB"/>
           </a:p>
@@ -3277,7 +3277,7 @@
             <a:fld id="{26EA1CF3-4A15-4CBF-9A5A-6A56C368BE71}" type="datetimeFigureOut">
               <a:rPr lang="en-GB" smtClean="0"/>
               <a:pPr/>
-              <a:t>26/04/2024</a:t>
+              <a:t>10/11/2025</a:t>
             </a:fld>
             <a:endParaRPr lang="en-GB"/>
           </a:p>
@@ -3527,7 +3527,7 @@
             <a:fld id="{26EA1CF3-4A15-4CBF-9A5A-6A56C368BE71}" type="datetimeFigureOut">
               <a:rPr lang="en-GB" smtClean="0"/>
               <a:pPr/>
-              <a:t>26/04/2024</a:t>
+              <a:t>10/11/2025</a:t>
             </a:fld>
             <a:endParaRPr lang="en-GB"/>
           </a:p>
@@ -3736,7 +3736,7 @@
             <a:fld id="{26EA1CF3-4A15-4CBF-9A5A-6A56C368BE71}" type="datetimeFigureOut">
               <a:rPr lang="en-GB" smtClean="0"/>
               <a:pPr/>
-              <a:t>26/04/2024</a:t>
+              <a:t>10/11/2025</a:t>
             </a:fld>
             <a:endParaRPr lang="en-GB"/>
           </a:p>
@@ -4462,7 +4462,7 @@
               </a:spcBef>
             </a:pPr>
             <a:r>
-              <a:rPr lang="en-GB" sz="4000" dirty="0">
+              <a:rPr lang="en-GB" sz="3600" dirty="0">
                 <a:solidFill>
                   <a:schemeClr val="bg1"/>
                 </a:solidFill>
@@ -4477,7 +4477,7 @@
               </a:spcBef>
             </a:pPr>
             <a:r>
-              <a:rPr lang="en-GB" sz="4000" dirty="0">
+              <a:rPr lang="en-GB" sz="3600" dirty="0">
                 <a:solidFill>
                   <a:schemeClr val="bg1"/>
                 </a:solidFill>
@@ -4492,7 +4492,7 @@
               </a:spcBef>
             </a:pPr>
             <a:r>
-              <a:rPr lang="en-GB" sz="4000" dirty="0">
+              <a:rPr lang="en-GB" sz="3600" dirty="0">
                 <a:solidFill>
                   <a:schemeClr val="bg1"/>
                 </a:solidFill>
@@ -4507,7 +4507,7 @@
               </a:spcBef>
             </a:pPr>
             <a:r>
-              <a:rPr lang="en-GB" sz="4000" dirty="0">
+              <a:rPr lang="en-GB" sz="3600" dirty="0">
                 <a:solidFill>
                   <a:schemeClr val="bg1"/>
                 </a:solidFill>
@@ -4608,7 +4608,7 @@
               </a:spcBef>
             </a:pPr>
             <a:r>
-              <a:rPr lang="en-GB" sz="4000" dirty="0">
+              <a:rPr lang="en-GB" sz="3600" dirty="0">
                 <a:solidFill>
                   <a:schemeClr val="bg1"/>
                 </a:solidFill>
@@ -4623,7 +4623,7 @@
               </a:spcBef>
             </a:pPr>
             <a:r>
-              <a:rPr lang="en-GB" sz="4000" dirty="0">
+              <a:rPr lang="en-GB" sz="3600" dirty="0">
                 <a:solidFill>
                   <a:schemeClr val="bg1"/>
                 </a:solidFill>
@@ -4638,7 +4638,7 @@
               </a:spcBef>
             </a:pPr>
             <a:r>
-              <a:rPr lang="en-GB" sz="4000" dirty="0">
+              <a:rPr lang="en-GB" sz="3600" dirty="0">
                 <a:solidFill>
                   <a:schemeClr val="bg1"/>
                 </a:solidFill>
@@ -4653,7 +4653,7 @@
               </a:spcBef>
             </a:pPr>
             <a:r>
-              <a:rPr lang="en-GB" sz="4000" dirty="0">
+              <a:rPr lang="en-GB" sz="3600" dirty="0">
                 <a:solidFill>
                   <a:schemeClr val="bg1"/>
                 </a:solidFill>
@@ -4754,7 +4754,7 @@
               </a:spcBef>
             </a:pPr>
             <a:r>
-              <a:rPr lang="en-GB" sz="4000" dirty="0">
+              <a:rPr lang="en-GB" sz="3600" dirty="0">
                 <a:solidFill>
                   <a:schemeClr val="bg1"/>
                 </a:solidFill>
@@ -4769,7 +4769,7 @@
               </a:spcBef>
             </a:pPr>
             <a:r>
-              <a:rPr lang="en-GB" sz="4000" dirty="0">
+              <a:rPr lang="en-GB" sz="3600" dirty="0">
                 <a:solidFill>
                   <a:schemeClr val="bg1"/>
                 </a:solidFill>
@@ -4784,7 +4784,7 @@
               </a:spcBef>
             </a:pPr>
             <a:r>
-              <a:rPr lang="en-GB" sz="4000" dirty="0">
+              <a:rPr lang="en-GB" sz="3600" dirty="0">
                 <a:solidFill>
                   <a:schemeClr val="bg1"/>
                 </a:solidFill>
@@ -4799,7 +4799,7 @@
               </a:spcBef>
             </a:pPr>
             <a:r>
-              <a:rPr lang="en-GB" sz="4000" dirty="0">
+              <a:rPr lang="en-GB" sz="3600" dirty="0">
                 <a:solidFill>
                   <a:schemeClr val="bg1"/>
                 </a:solidFill>
@@ -4900,7 +4900,7 @@
               </a:spcBef>
             </a:pPr>
             <a:r>
-              <a:rPr lang="en-GB" sz="4000" dirty="0">
+              <a:rPr lang="en-GB" sz="3600" dirty="0">
                 <a:solidFill>
                   <a:schemeClr val="bg1"/>
                 </a:solidFill>
@@ -4915,7 +4915,7 @@
               </a:spcBef>
             </a:pPr>
             <a:r>
-              <a:rPr lang="en-GB" sz="4000" dirty="0">
+              <a:rPr lang="en-GB" sz="3600" dirty="0">
                 <a:solidFill>
                   <a:schemeClr val="bg1"/>
                 </a:solidFill>
@@ -4930,7 +4930,7 @@
               </a:spcBef>
             </a:pPr>
             <a:r>
-              <a:rPr lang="en-GB" sz="4000" dirty="0">
+              <a:rPr lang="en-GB" sz="3600" dirty="0">
                 <a:solidFill>
                   <a:schemeClr val="bg1"/>
                 </a:solidFill>
@@ -4945,7 +4945,7 @@
               </a:spcBef>
             </a:pPr>
             <a:r>
-              <a:rPr lang="en-GB" sz="4000" dirty="0">
+              <a:rPr lang="en-GB" sz="3600" dirty="0">
                 <a:solidFill>
                   <a:schemeClr val="bg1"/>
                 </a:solidFill>
@@ -5046,7 +5046,7 @@
               </a:spcBef>
             </a:pPr>
             <a:r>
-              <a:rPr lang="en-GB" sz="4000" dirty="0">
+              <a:rPr lang="en-GB" sz="3600" dirty="0">
                 <a:solidFill>
                   <a:schemeClr val="bg1"/>
                 </a:solidFill>
@@ -5061,7 +5061,7 @@
               </a:spcBef>
             </a:pPr>
             <a:r>
-              <a:rPr lang="en-GB" sz="4000" dirty="0">
+              <a:rPr lang="en-GB" sz="3600" dirty="0">
                 <a:solidFill>
                   <a:schemeClr val="bg1"/>
                 </a:solidFill>
@@ -5076,7 +5076,7 @@
               </a:spcBef>
             </a:pPr>
             <a:r>
-              <a:rPr lang="en-GB" sz="4000" dirty="0">
+              <a:rPr lang="en-GB" sz="3600" dirty="0">
                 <a:solidFill>
                   <a:schemeClr val="bg1"/>
                 </a:solidFill>
@@ -5091,7 +5091,7 @@
               </a:spcBef>
             </a:pPr>
             <a:r>
-              <a:rPr lang="en-GB" sz="4000" dirty="0">
+              <a:rPr lang="en-GB" sz="3600" dirty="0">
                 <a:solidFill>
                   <a:schemeClr val="bg1"/>
                 </a:solidFill>
@@ -5192,7 +5192,7 @@
               </a:spcBef>
             </a:pPr>
             <a:r>
-              <a:rPr lang="en-GB" sz="4000" dirty="0">
+              <a:rPr lang="en-GB" sz="3600" dirty="0">
                 <a:solidFill>
                   <a:schemeClr val="bg1"/>
                 </a:solidFill>
@@ -5207,7 +5207,7 @@
               </a:spcBef>
             </a:pPr>
             <a:r>
-              <a:rPr lang="en-GB" sz="4000" dirty="0">
+              <a:rPr lang="en-GB" sz="3600" dirty="0">
                 <a:solidFill>
                   <a:schemeClr val="bg1"/>
                 </a:solidFill>
@@ -5222,7 +5222,7 @@
               </a:spcBef>
             </a:pPr>
             <a:r>
-              <a:rPr lang="en-GB" sz="4000" dirty="0">
+              <a:rPr lang="en-GB" sz="3600" dirty="0">
                 <a:solidFill>
                   <a:schemeClr val="bg1"/>
                 </a:solidFill>
@@ -5237,7 +5237,7 @@
               </a:spcBef>
             </a:pPr>
             <a:r>
-              <a:rPr lang="en-GB" sz="4000" dirty="0">
+              <a:rPr lang="en-GB" sz="3600" dirty="0">
                 <a:solidFill>
                   <a:schemeClr val="bg1"/>
                 </a:solidFill>
@@ -5529,7 +5529,7 @@
               </a:spcBef>
             </a:pPr>
             <a:r>
-              <a:rPr lang="en-GB" sz="4000" dirty="0">
+              <a:rPr lang="en-GB" sz="3600" dirty="0">
                 <a:solidFill>
                   <a:schemeClr val="bg1"/>
                 </a:solidFill>
@@ -5544,7 +5544,7 @@
               </a:spcBef>
             </a:pPr>
             <a:r>
-              <a:rPr lang="en-GB" sz="4000" dirty="0">
+              <a:rPr lang="en-GB" sz="3600" dirty="0">
                 <a:solidFill>
                   <a:schemeClr val="bg1"/>
                 </a:solidFill>
@@ -5559,7 +5559,7 @@
               </a:spcBef>
             </a:pPr>
             <a:r>
-              <a:rPr lang="en-GB" sz="4000" dirty="0">
+              <a:rPr lang="en-GB" sz="3600" dirty="0">
                 <a:solidFill>
                   <a:schemeClr val="bg1"/>
                 </a:solidFill>
@@ -5574,7 +5574,7 @@
               </a:spcBef>
             </a:pPr>
             <a:r>
-              <a:rPr lang="en-GB" sz="4000" dirty="0">
+              <a:rPr lang="en-GB" sz="3600" dirty="0">
                 <a:solidFill>
                   <a:schemeClr val="bg1"/>
                 </a:solidFill>
